--- a/PCParent Flowchart.pptx
+++ b/PCParent Flowchart.pptx
@@ -6,6 +6,7 @@
   </p:sldMasterIdLst>
   <p:sldIdLst>
     <p:sldId id="256" r:id="rId2"/>
+    <p:sldId id="257" r:id="rId3"/>
   </p:sldIdLst>
   <p:sldSz cx="12192000" cy="6858000"/>
   <p:notesSz cx="6858000" cy="9144000"/>
@@ -104,6 +105,11 @@
       </a:defRPr>
     </a:lvl9pPr>
   </p:defaultTextStyle>
+  <p:extLst>
+    <p:ext uri="{EFAFB233-063F-42B5-8137-9DF3F51BA10A}">
+      <p15:sldGuideLst xmlns:p15="http://schemas.microsoft.com/office/powerpoint/2012/main"/>
+    </p:ext>
+  </p:extLst>
 </p:presentation>
 </file>
 
@@ -3424,109 +3430,6 @@
           </p:txBody>
         </p:sp>
       </p:grpSp>
-      <p:grpSp>
-        <p:nvGrpSpPr>
-          <p:cNvPr id="11" name="Group 10">
-            <a:extLst>
-              <a:ext uri="{FF2B5EF4-FFF2-40B4-BE49-F238E27FC236}">
-                <a16:creationId xmlns:a16="http://schemas.microsoft.com/office/drawing/2014/main" id="{9E0528D8-0C99-4763-86F8-FB4F9E4D8C39}"/>
-              </a:ext>
-            </a:extLst>
-          </p:cNvPr>
-          <p:cNvGrpSpPr/>
-          <p:nvPr/>
-        </p:nvGrpSpPr>
-        <p:grpSpPr>
-          <a:xfrm>
-            <a:off x="10740705" y="410862"/>
-            <a:ext cx="973122" cy="461394"/>
-            <a:chOff x="9815119" y="5905850"/>
-            <a:chExt cx="2122415" cy="763398"/>
-          </a:xfrm>
-        </p:grpSpPr>
-        <p:sp>
-          <p:nvSpPr>
-            <p:cNvPr id="4" name="Flowchart: Terminator 3">
-              <a:extLst>
-                <a:ext uri="{FF2B5EF4-FFF2-40B4-BE49-F238E27FC236}">
-                  <a16:creationId xmlns:a16="http://schemas.microsoft.com/office/drawing/2014/main" id="{46F494D1-2623-46C7-93A0-7870C8436E72}"/>
-                </a:ext>
-              </a:extLst>
-            </p:cNvPr>
-            <p:cNvSpPr/>
-            <p:nvPr/>
-          </p:nvSpPr>
-          <p:spPr>
-            <a:xfrm>
-              <a:off x="9815119" y="5905850"/>
-              <a:ext cx="2122415" cy="763398"/>
-            </a:xfrm>
-            <a:prstGeom prst="flowChartTerminator">
-              <a:avLst/>
-            </a:prstGeom>
-            <a:noFill/>
-          </p:spPr>
-          <p:style>
-            <a:lnRef idx="2">
-              <a:schemeClr val="accent1">
-                <a:shade val="50000"/>
-              </a:schemeClr>
-            </a:lnRef>
-            <a:fillRef idx="1">
-              <a:schemeClr val="accent1"/>
-            </a:fillRef>
-            <a:effectRef idx="0">
-              <a:schemeClr val="accent1"/>
-            </a:effectRef>
-            <a:fontRef idx="minor">
-              <a:schemeClr val="lt1"/>
-            </a:fontRef>
-          </p:style>
-          <p:txBody>
-            <a:bodyPr rtlCol="0" anchor="ctr"/>
-            <a:lstStyle/>
-            <a:p>
-              <a:pPr algn="ctr"/>
-              <a:endParaRPr lang="en-US"/>
-            </a:p>
-          </p:txBody>
-        </p:sp>
-        <p:sp>
-          <p:nvSpPr>
-            <p:cNvPr id="10" name="TextBox 9">
-              <a:extLst>
-                <a:ext uri="{FF2B5EF4-FFF2-40B4-BE49-F238E27FC236}">
-                  <a16:creationId xmlns:a16="http://schemas.microsoft.com/office/drawing/2014/main" id="{55F5E92B-B6E8-488A-AEED-04965B5ED6F8}"/>
-                </a:ext>
-              </a:extLst>
-            </p:cNvPr>
-            <p:cNvSpPr txBox="1"/>
-            <p:nvPr/>
-          </p:nvSpPr>
-          <p:spPr>
-            <a:xfrm>
-              <a:off x="10335794" y="5959858"/>
-              <a:ext cx="540533" cy="369331"/>
-            </a:xfrm>
-            <a:prstGeom prst="rect">
-              <a:avLst/>
-            </a:prstGeom>
-            <a:noFill/>
-          </p:spPr>
-          <p:txBody>
-            <a:bodyPr wrap="none" rtlCol="0">
-              <a:spAutoFit/>
-            </a:bodyPr>
-            <a:lstStyle/>
-            <a:p>
-              <a:r>
-                <a:rPr lang="en-US" dirty="0"/>
-                <a:t>End</a:t>
-              </a:r>
-            </a:p>
-          </p:txBody>
-        </p:sp>
-      </p:grpSp>
       <p:sp>
         <p:nvSpPr>
           <p:cNvPr id="12" name="Flowchart: Predefined Process 11">
@@ -4966,6 +4869,11 @@
             <a:avLst/>
           </a:prstGeom>
           <a:noFill/>
+          <a:ln>
+            <a:solidFill>
+              <a:srgbClr val="FF0000"/>
+            </a:solidFill>
+          </a:ln>
         </p:spPr>
         <p:style>
           <a:lnRef idx="2">
@@ -5024,13 +4932,18 @@
         </p:nvSpPr>
         <p:spPr>
           <a:xfrm>
-            <a:off x="6068346" y="2048271"/>
+            <a:off x="5051581" y="2051685"/>
             <a:ext cx="1386691" cy="646331"/>
           </a:xfrm>
           <a:prstGeom prst="flowChartProcess">
             <a:avLst/>
           </a:prstGeom>
           <a:noFill/>
+          <a:ln>
+            <a:solidFill>
+              <a:srgbClr val="FF0000"/>
+            </a:solidFill>
+          </a:ln>
         </p:spPr>
         <p:style>
           <a:lnRef idx="2">
@@ -5071,13 +4984,18 @@
         </p:nvSpPr>
         <p:spPr>
           <a:xfrm>
-            <a:off x="6130178" y="2048272"/>
+            <a:off x="5113413" y="2051686"/>
             <a:ext cx="1286699" cy="646331"/>
           </a:xfrm>
           <a:prstGeom prst="rect">
             <a:avLst/>
           </a:prstGeom>
           <a:noFill/>
+          <a:ln>
+            <a:solidFill>
+              <a:srgbClr val="FF0000"/>
+            </a:solidFill>
+          </a:ln>
         </p:spPr>
         <p:txBody>
           <a:bodyPr wrap="none" rtlCol="0">
@@ -5164,6 +5082,11 @@
             <a:avLst/>
           </a:prstGeom>
           <a:noFill/>
+          <a:ln>
+            <a:solidFill>
+              <a:srgbClr val="FF0000"/>
+            </a:solidFill>
+          </a:ln>
         </p:spPr>
         <p:style>
           <a:lnRef idx="2">
@@ -5236,15 +5159,16 @@
             </a:extLst>
           </p:cNvPr>
           <p:cNvCxnSpPr>
+            <a:cxnSpLocks/>
             <a:stCxn id="111" idx="1"/>
-            <a:endCxn id="102" idx="3"/>
+            <a:endCxn id="81" idx="3"/>
           </p:cNvCxnSpPr>
           <p:nvPr/>
         </p:nvCxnSpPr>
         <p:spPr>
           <a:xfrm flipH="1" flipV="1">
-            <a:off x="7455037" y="2371437"/>
-            <a:ext cx="499566" cy="3788"/>
+            <a:off x="7679683" y="2372759"/>
+            <a:ext cx="274920" cy="2466"/>
           </a:xfrm>
           <a:prstGeom prst="straightConnector1">
             <a:avLst/>
@@ -5285,8 +5209,8 @@
         </p:nvCxnSpPr>
         <p:spPr>
           <a:xfrm rot="10800000" flipV="1">
-            <a:off x="4976572" y="2371436"/>
-            <a:ext cx="1091775" cy="858557"/>
+            <a:off x="4976571" y="2374850"/>
+            <a:ext cx="75010" cy="855143"/>
           </a:xfrm>
           <a:prstGeom prst="bentConnector2">
             <a:avLst/>
@@ -5389,7 +5313,7 @@
         </p:nvSpPr>
         <p:spPr>
           <a:xfrm>
-            <a:off x="7921794" y="5942496"/>
+            <a:off x="8868596" y="5954941"/>
             <a:ext cx="1386691" cy="646331"/>
           </a:xfrm>
           <a:prstGeom prst="flowChartProcess">
@@ -5436,7 +5360,7 @@
         </p:nvSpPr>
         <p:spPr>
           <a:xfrm>
-            <a:off x="7954603" y="5956439"/>
+            <a:off x="8901405" y="5968884"/>
             <a:ext cx="1286699" cy="646331"/>
           </a:xfrm>
           <a:prstGeom prst="rect">
@@ -5483,8 +5407,8 @@
         </p:nvCxnSpPr>
         <p:spPr>
           <a:xfrm rot="5400000">
-            <a:off x="9573003" y="5409924"/>
-            <a:ext cx="591221" cy="1120255"/>
+            <a:off x="10040181" y="5889548"/>
+            <a:ext cx="603666" cy="173453"/>
           </a:xfrm>
           <a:prstGeom prst="bentConnector2">
             <a:avLst/>
@@ -5520,14 +5444,14 @@
           <p:cNvCxnSpPr>
             <a:cxnSpLocks/>
             <a:stCxn id="121" idx="1"/>
-            <a:endCxn id="130" idx="3"/>
+            <a:endCxn id="65" idx="3"/>
           </p:cNvCxnSpPr>
           <p:nvPr/>
         </p:nvCxnSpPr>
         <p:spPr>
           <a:xfrm rot="10800000">
-            <a:off x="7112612" y="6265662"/>
-            <a:ext cx="809183" cy="1"/>
+            <a:off x="8210426" y="6278107"/>
+            <a:ext cx="658171" cy="1"/>
           </a:xfrm>
           <a:prstGeom prst="bentConnector3">
             <a:avLst>
@@ -5567,7 +5491,7 @@
         </p:nvSpPr>
         <p:spPr>
           <a:xfrm>
-            <a:off x="5522459" y="5732960"/>
+            <a:off x="5300924" y="5745291"/>
             <a:ext cx="1590152" cy="1065402"/>
           </a:xfrm>
           <a:prstGeom prst="flowChartPredefinedProcess">
@@ -5614,7 +5538,7 @@
         </p:nvSpPr>
         <p:spPr>
           <a:xfrm>
-            <a:off x="5651924" y="5807921"/>
+            <a:off x="5414709" y="5803166"/>
             <a:ext cx="1277979" cy="923330"/>
           </a:xfrm>
           <a:prstGeom prst="rect">
@@ -5653,8 +5577,8 @@
         </p:nvCxnSpPr>
         <p:spPr>
           <a:xfrm rot="10800000">
-            <a:off x="4976573" y="5711921"/>
-            <a:ext cx="545887" cy="553740"/>
+            <a:off x="4976572" y="5711922"/>
+            <a:ext cx="324352" cy="566071"/>
           </a:xfrm>
           <a:prstGeom prst="bentConnector2">
             <a:avLst/>
@@ -5680,10 +5604,10 @@
       </p:cxnSp>
       <p:sp>
         <p:nvSpPr>
-          <p:cNvPr id="146" name="Flowchart: Connector 145">
-            <a:extLst>
-              <a:ext uri="{FF2B5EF4-FFF2-40B4-BE49-F238E27FC236}">
-                <a16:creationId xmlns:a16="http://schemas.microsoft.com/office/drawing/2014/main" id="{BB3E2A13-1201-445B-BF64-3C5B99FC0F99}"/>
+          <p:cNvPr id="2" name="Flowchart: Off-page Connector 1">
+            <a:extLst>
+              <a:ext uri="{FF2B5EF4-FFF2-40B4-BE49-F238E27FC236}">
+                <a16:creationId xmlns:a16="http://schemas.microsoft.com/office/drawing/2014/main" id="{41FCCB62-E9B0-445E-A6D8-BE43B78272A6}"/>
               </a:ext>
             </a:extLst>
           </p:cNvPr>
@@ -5692,10 +5616,10 @@
         </p:nvSpPr>
         <p:spPr>
           <a:xfrm>
-            <a:off x="7861433" y="88862"/>
-            <a:ext cx="1099553" cy="1099553"/>
-          </a:xfrm>
-          <a:prstGeom prst="flowChartConnector">
+            <a:off x="310056" y="4145947"/>
+            <a:ext cx="793548" cy="859326"/>
+          </a:xfrm>
+          <a:prstGeom prst="flowChartOffpageConnector">
             <a:avLst/>
           </a:prstGeom>
           <a:noFill/>
@@ -5722,35 +5646,288 @@
           <a:p>
             <a:pPr algn="ctr"/>
             <a:r>
-              <a:rPr lang="en-US" dirty="0">
+              <a:rPr lang="en-US" sz="1400" dirty="0" err="1">
                 <a:solidFill>
                   <a:schemeClr val="tx1"/>
                 </a:solidFill>
               </a:rPr>
-              <a:t>If Log Out</a:t>
-            </a:r>
+              <a:t>MailSvc</a:t>
+            </a:r>
+            <a:endParaRPr lang="en-US" sz="1400" dirty="0">
+              <a:solidFill>
+                <a:schemeClr val="tx1"/>
+              </a:solidFill>
+            </a:endParaRPr>
           </a:p>
         </p:txBody>
       </p:sp>
       <p:cxnSp>
         <p:nvCxnSpPr>
-          <p:cNvPr id="148" name="Straight Arrow Connector 147">
-            <a:extLst>
-              <a:ext uri="{FF2B5EF4-FFF2-40B4-BE49-F238E27FC236}">
-                <a16:creationId xmlns:a16="http://schemas.microsoft.com/office/drawing/2014/main" id="{9D6FAD80-5593-4ED2-9A1F-415108500777}"/>
+          <p:cNvPr id="4" name="Connector: Elbow 3">
+            <a:extLst>
+              <a:ext uri="{FF2B5EF4-FFF2-40B4-BE49-F238E27FC236}">
+                <a16:creationId xmlns:a16="http://schemas.microsoft.com/office/drawing/2014/main" id="{E68F54AA-5A17-4D1F-A84C-6635EC6340C6}"/>
               </a:ext>
             </a:extLst>
           </p:cNvPr>
           <p:cNvCxnSpPr>
-            <a:stCxn id="146" idx="6"/>
-            <a:endCxn id="4" idx="1"/>
+            <a:stCxn id="24" idx="1"/>
+            <a:endCxn id="2" idx="0"/>
           </p:cNvCxnSpPr>
           <p:nvPr/>
         </p:nvCxnSpPr>
         <p:spPr>
-          <a:xfrm>
-            <a:off x="8960986" y="638639"/>
-            <a:ext cx="1779719" cy="2920"/>
+          <a:xfrm rot="10800000" flipV="1">
+            <a:off x="706831" y="3939053"/>
+            <a:ext cx="1128771" cy="206893"/>
+          </a:xfrm>
+          <a:prstGeom prst="bentConnector2">
+            <a:avLst/>
+          </a:prstGeom>
+          <a:ln>
+            <a:tailEnd type="triangle"/>
+          </a:ln>
+        </p:spPr>
+        <p:style>
+          <a:lnRef idx="1">
+            <a:schemeClr val="accent1"/>
+          </a:lnRef>
+          <a:fillRef idx="0">
+            <a:schemeClr val="accent1"/>
+          </a:fillRef>
+          <a:effectRef idx="0">
+            <a:schemeClr val="accent1"/>
+          </a:effectRef>
+          <a:fontRef idx="minor">
+            <a:schemeClr val="tx1"/>
+          </a:fontRef>
+        </p:style>
+      </p:cxnSp>
+      <p:cxnSp>
+        <p:nvCxnSpPr>
+          <p:cNvPr id="7" name="Connector: Elbow 6">
+            <a:extLst>
+              <a:ext uri="{FF2B5EF4-FFF2-40B4-BE49-F238E27FC236}">
+                <a16:creationId xmlns:a16="http://schemas.microsoft.com/office/drawing/2014/main" id="{544D18CD-F656-4DFE-B776-C8F9152E9AFD}"/>
+              </a:ext>
+            </a:extLst>
+          </p:cNvPr>
+          <p:cNvCxnSpPr>
+            <a:cxnSpLocks/>
+            <a:stCxn id="2" idx="2"/>
+            <a:endCxn id="67" idx="1"/>
+          </p:cNvCxnSpPr>
+          <p:nvPr/>
+        </p:nvCxnSpPr>
+        <p:spPr>
+          <a:xfrm rot="16200000" flipH="1">
+            <a:off x="1120960" y="4591142"/>
+            <a:ext cx="207503" cy="1035763"/>
+          </a:xfrm>
+          <a:prstGeom prst="bentConnector2">
+            <a:avLst/>
+          </a:prstGeom>
+          <a:ln>
+            <a:tailEnd type="triangle"/>
+          </a:ln>
+        </p:spPr>
+        <p:style>
+          <a:lnRef idx="1">
+            <a:schemeClr val="accent1"/>
+          </a:lnRef>
+          <a:fillRef idx="0">
+            <a:schemeClr val="accent1"/>
+          </a:fillRef>
+          <a:effectRef idx="0">
+            <a:schemeClr val="accent1"/>
+          </a:effectRef>
+          <a:fontRef idx="minor">
+            <a:schemeClr val="tx1"/>
+          </a:fontRef>
+        </p:style>
+      </p:cxnSp>
+      <p:sp>
+        <p:nvSpPr>
+          <p:cNvPr id="65" name="Flowchart: Off-page Connector 64">
+            <a:extLst>
+              <a:ext uri="{FF2B5EF4-FFF2-40B4-BE49-F238E27FC236}">
+                <a16:creationId xmlns:a16="http://schemas.microsoft.com/office/drawing/2014/main" id="{EF852791-D217-4A5A-9B0C-D6E42AC564FE}"/>
+              </a:ext>
+            </a:extLst>
+          </p:cNvPr>
+          <p:cNvSpPr/>
+          <p:nvPr/>
+        </p:nvSpPr>
+        <p:spPr>
+          <a:xfrm>
+            <a:off x="7416877" y="5848443"/>
+            <a:ext cx="793548" cy="859326"/>
+          </a:xfrm>
+          <a:prstGeom prst="flowChartOffpageConnector">
+            <a:avLst/>
+          </a:prstGeom>
+          <a:noFill/>
+        </p:spPr>
+        <p:style>
+          <a:lnRef idx="2">
+            <a:schemeClr val="accent1">
+              <a:shade val="50000"/>
+            </a:schemeClr>
+          </a:lnRef>
+          <a:fillRef idx="1">
+            <a:schemeClr val="accent1"/>
+          </a:fillRef>
+          <a:effectRef idx="0">
+            <a:schemeClr val="accent1"/>
+          </a:effectRef>
+          <a:fontRef idx="minor">
+            <a:schemeClr val="lt1"/>
+          </a:fontRef>
+        </p:style>
+        <p:txBody>
+          <a:bodyPr rtlCol="0" anchor="ctr"/>
+          <a:lstStyle/>
+          <a:p>
+            <a:pPr algn="ctr"/>
+            <a:r>
+              <a:rPr lang="en-US" sz="1400" dirty="0" err="1">
+                <a:solidFill>
+                  <a:schemeClr val="tx1"/>
+                </a:solidFill>
+              </a:rPr>
+              <a:t>MailSvc</a:t>
+            </a:r>
+            <a:endParaRPr lang="en-US" sz="1400" dirty="0">
+              <a:solidFill>
+                <a:schemeClr val="tx1"/>
+              </a:solidFill>
+            </a:endParaRPr>
+          </a:p>
+        </p:txBody>
+      </p:sp>
+      <p:cxnSp>
+        <p:nvCxnSpPr>
+          <p:cNvPr id="69" name="Connector: Elbow 68">
+            <a:extLst>
+              <a:ext uri="{FF2B5EF4-FFF2-40B4-BE49-F238E27FC236}">
+                <a16:creationId xmlns:a16="http://schemas.microsoft.com/office/drawing/2014/main" id="{4A1606A1-7329-43E5-BAEF-F8961E7D8CAE}"/>
+              </a:ext>
+            </a:extLst>
+          </p:cNvPr>
+          <p:cNvCxnSpPr>
+            <a:cxnSpLocks/>
+            <a:stCxn id="65" idx="1"/>
+            <a:endCxn id="130" idx="3"/>
+          </p:cNvCxnSpPr>
+          <p:nvPr/>
+        </p:nvCxnSpPr>
+        <p:spPr>
+          <a:xfrm rot="10800000">
+            <a:off x="6891077" y="6277992"/>
+            <a:ext cx="525801" cy="114"/>
+          </a:xfrm>
+          <a:prstGeom prst="bentConnector3">
+            <a:avLst>
+              <a:gd name="adj1" fmla="val 50000"/>
+            </a:avLst>
+          </a:prstGeom>
+          <a:ln>
+            <a:tailEnd type="triangle"/>
+          </a:ln>
+        </p:spPr>
+        <p:style>
+          <a:lnRef idx="1">
+            <a:schemeClr val="accent1"/>
+          </a:lnRef>
+          <a:fillRef idx="0">
+            <a:schemeClr val="accent1"/>
+          </a:fillRef>
+          <a:effectRef idx="0">
+            <a:schemeClr val="accent1"/>
+          </a:effectRef>
+          <a:fontRef idx="minor">
+            <a:schemeClr val="tx1"/>
+          </a:fontRef>
+        </p:style>
+      </p:cxnSp>
+      <p:sp>
+        <p:nvSpPr>
+          <p:cNvPr id="81" name="Flowchart: Off-page Connector 80">
+            <a:extLst>
+              <a:ext uri="{FF2B5EF4-FFF2-40B4-BE49-F238E27FC236}">
+                <a16:creationId xmlns:a16="http://schemas.microsoft.com/office/drawing/2014/main" id="{4048CD10-CA5D-4DF9-BFBD-D9EE7406C284}"/>
+              </a:ext>
+            </a:extLst>
+          </p:cNvPr>
+          <p:cNvSpPr/>
+          <p:nvPr/>
+        </p:nvSpPr>
+        <p:spPr>
+          <a:xfrm>
+            <a:off x="6886135" y="1943096"/>
+            <a:ext cx="793548" cy="859326"/>
+          </a:xfrm>
+          <a:prstGeom prst="flowChartOffpageConnector">
+            <a:avLst/>
+          </a:prstGeom>
+          <a:noFill/>
+        </p:spPr>
+        <p:style>
+          <a:lnRef idx="2">
+            <a:schemeClr val="accent1">
+              <a:shade val="50000"/>
+            </a:schemeClr>
+          </a:lnRef>
+          <a:fillRef idx="1">
+            <a:schemeClr val="accent1"/>
+          </a:fillRef>
+          <a:effectRef idx="0">
+            <a:schemeClr val="accent1"/>
+          </a:effectRef>
+          <a:fontRef idx="minor">
+            <a:schemeClr val="lt1"/>
+          </a:fontRef>
+        </p:style>
+        <p:txBody>
+          <a:bodyPr rtlCol="0" anchor="ctr"/>
+          <a:lstStyle/>
+          <a:p>
+            <a:pPr algn="ctr"/>
+            <a:r>
+              <a:rPr lang="en-US" sz="1400" dirty="0" err="1">
+                <a:solidFill>
+                  <a:schemeClr val="tx1"/>
+                </a:solidFill>
+              </a:rPr>
+              <a:t>MailSvc</a:t>
+            </a:r>
+            <a:endParaRPr lang="en-US" sz="1400" dirty="0">
+              <a:solidFill>
+                <a:schemeClr val="tx1"/>
+              </a:solidFill>
+            </a:endParaRPr>
+          </a:p>
+        </p:txBody>
+      </p:sp>
+      <p:cxnSp>
+        <p:nvCxnSpPr>
+          <p:cNvPr id="48" name="Straight Arrow Connector 47">
+            <a:extLst>
+              <a:ext uri="{FF2B5EF4-FFF2-40B4-BE49-F238E27FC236}">
+                <a16:creationId xmlns:a16="http://schemas.microsoft.com/office/drawing/2014/main" id="{D9321E71-782D-42E4-8559-94EDD6BDA461}"/>
+              </a:ext>
+            </a:extLst>
+          </p:cNvPr>
+          <p:cNvCxnSpPr>
+            <a:stCxn id="81" idx="1"/>
+            <a:endCxn id="102" idx="3"/>
+          </p:cNvCxnSpPr>
+          <p:nvPr/>
+        </p:nvCxnSpPr>
+        <p:spPr>
+          <a:xfrm flipH="1">
+            <a:off x="6438272" y="2372759"/>
+            <a:ext cx="447863" cy="2092"/>
           </a:xfrm>
           <a:prstGeom prst="straightConnector1">
             <a:avLst/>
@@ -5778,6 +5955,530 @@
     <p:extLst>
       <p:ext uri="{BB962C8B-B14F-4D97-AF65-F5344CB8AC3E}">
         <p14:creationId xmlns:p14="http://schemas.microsoft.com/office/powerpoint/2010/main" val="3579987180"/>
+      </p:ext>
+    </p:extLst>
+  </p:cSld>
+  <p:clrMapOvr>
+    <a:masterClrMapping/>
+  </p:clrMapOvr>
+</p:sld>
+</file>
+
+<file path=ppt/slides/slide2.xml><?xml version="1.0" encoding="utf-8"?>
+<p:sld xmlns:a="http://schemas.openxmlformats.org/drawingml/2006/main" xmlns:r="http://schemas.openxmlformats.org/officeDocument/2006/relationships" xmlns:p="http://schemas.openxmlformats.org/presentationml/2006/main">
+  <p:cSld>
+    <p:spTree>
+      <p:nvGrpSpPr>
+        <p:cNvPr id="1" name=""/>
+        <p:cNvGrpSpPr/>
+        <p:nvPr/>
+      </p:nvGrpSpPr>
+      <p:grpSpPr>
+        <a:xfrm>
+          <a:off x="0" y="0"/>
+          <a:ext cx="0" cy="0"/>
+          <a:chOff x="0" y="0"/>
+          <a:chExt cx="0" cy="0"/>
+        </a:xfrm>
+      </p:grpSpPr>
+      <p:sp>
+        <p:nvSpPr>
+          <p:cNvPr id="12" name="Flowchart: Predefined Process 11">
+            <a:extLst>
+              <a:ext uri="{FF2B5EF4-FFF2-40B4-BE49-F238E27FC236}">
+                <a16:creationId xmlns:a16="http://schemas.microsoft.com/office/drawing/2014/main" id="{C773EFFC-9DF5-4DB1-AEF6-AD1649BD6709}"/>
+              </a:ext>
+            </a:extLst>
+          </p:cNvPr>
+          <p:cNvSpPr/>
+          <p:nvPr/>
+        </p:nvSpPr>
+        <p:spPr>
+          <a:xfrm>
+            <a:off x="3436503" y="294263"/>
+            <a:ext cx="1590152" cy="1065402"/>
+          </a:xfrm>
+          <a:prstGeom prst="flowChartPredefinedProcess">
+            <a:avLst/>
+          </a:prstGeom>
+          <a:noFill/>
+        </p:spPr>
+        <p:style>
+          <a:lnRef idx="2">
+            <a:schemeClr val="accent1">
+              <a:shade val="50000"/>
+            </a:schemeClr>
+          </a:lnRef>
+          <a:fillRef idx="1">
+            <a:schemeClr val="accent1"/>
+          </a:fillRef>
+          <a:effectRef idx="0">
+            <a:schemeClr val="accent1"/>
+          </a:effectRef>
+          <a:fontRef idx="minor">
+            <a:schemeClr val="lt1"/>
+          </a:fontRef>
+        </p:style>
+        <p:txBody>
+          <a:bodyPr rtlCol="0" anchor="ctr"/>
+          <a:lstStyle/>
+          <a:p>
+            <a:pPr algn="ctr"/>
+            <a:r>
+              <a:rPr lang="en-US" dirty="0">
+                <a:solidFill>
+                  <a:schemeClr val="tx1"/>
+                </a:solidFill>
+              </a:rPr>
+              <a:t>Create </a:t>
+            </a:r>
+            <a:r>
+              <a:rPr lang="en-US" dirty="0" err="1">
+                <a:solidFill>
+                  <a:schemeClr val="tx1"/>
+                </a:solidFill>
+              </a:rPr>
+              <a:t>mailClient</a:t>
+            </a:r>
+            <a:endParaRPr lang="en-US" dirty="0">
+              <a:solidFill>
+                <a:schemeClr val="tx1"/>
+              </a:solidFill>
+            </a:endParaRPr>
+          </a:p>
+        </p:txBody>
+      </p:sp>
+      <p:sp>
+        <p:nvSpPr>
+          <p:cNvPr id="24" name="Flowchart: Process 23">
+            <a:extLst>
+              <a:ext uri="{FF2B5EF4-FFF2-40B4-BE49-F238E27FC236}">
+                <a16:creationId xmlns:a16="http://schemas.microsoft.com/office/drawing/2014/main" id="{C88E5144-E780-442C-B9CB-08B351239F98}"/>
+              </a:ext>
+            </a:extLst>
+          </p:cNvPr>
+          <p:cNvSpPr/>
+          <p:nvPr/>
+        </p:nvSpPr>
+        <p:spPr>
+          <a:xfrm>
+            <a:off x="1684738" y="320320"/>
+            <a:ext cx="1386691" cy="1013288"/>
+          </a:xfrm>
+          <a:prstGeom prst="flowChartProcess">
+            <a:avLst/>
+          </a:prstGeom>
+          <a:noFill/>
+        </p:spPr>
+        <p:style>
+          <a:lnRef idx="2">
+            <a:schemeClr val="accent1">
+              <a:shade val="50000"/>
+            </a:schemeClr>
+          </a:lnRef>
+          <a:fillRef idx="1">
+            <a:schemeClr val="accent1"/>
+          </a:fillRef>
+          <a:effectRef idx="0">
+            <a:schemeClr val="accent1"/>
+          </a:effectRef>
+          <a:fontRef idx="minor">
+            <a:schemeClr val="lt1"/>
+          </a:fontRef>
+        </p:style>
+        <p:txBody>
+          <a:bodyPr rtlCol="0" anchor="ctr"/>
+          <a:lstStyle/>
+          <a:p>
+            <a:pPr algn="ctr"/>
+            <a:r>
+              <a:rPr lang="en-US" dirty="0">
+                <a:solidFill>
+                  <a:schemeClr val="tx1"/>
+                </a:solidFill>
+              </a:rPr>
+              <a:t>Gather Logged In User Info</a:t>
+            </a:r>
+          </a:p>
+        </p:txBody>
+      </p:sp>
+      <p:sp>
+        <p:nvSpPr>
+          <p:cNvPr id="130" name="Flowchart: Predefined Process 129">
+            <a:extLst>
+              <a:ext uri="{FF2B5EF4-FFF2-40B4-BE49-F238E27FC236}">
+                <a16:creationId xmlns:a16="http://schemas.microsoft.com/office/drawing/2014/main" id="{CD087561-0A6A-403A-B98F-125428F12B52}"/>
+              </a:ext>
+            </a:extLst>
+          </p:cNvPr>
+          <p:cNvSpPr/>
+          <p:nvPr/>
+        </p:nvSpPr>
+        <p:spPr>
+          <a:xfrm>
+            <a:off x="501089" y="3073105"/>
+            <a:ext cx="1590152" cy="1065402"/>
+          </a:xfrm>
+          <a:prstGeom prst="flowChartPredefinedProcess">
+            <a:avLst/>
+          </a:prstGeom>
+          <a:noFill/>
+        </p:spPr>
+        <p:style>
+          <a:lnRef idx="2">
+            <a:schemeClr val="accent1">
+              <a:shade val="50000"/>
+            </a:schemeClr>
+          </a:lnRef>
+          <a:fillRef idx="1">
+            <a:schemeClr val="accent1"/>
+          </a:fillRef>
+          <a:effectRef idx="0">
+            <a:schemeClr val="accent1"/>
+          </a:effectRef>
+          <a:fontRef idx="minor">
+            <a:schemeClr val="lt1"/>
+          </a:fontRef>
+        </p:style>
+        <p:txBody>
+          <a:bodyPr rtlCol="0" anchor="ctr"/>
+          <a:lstStyle/>
+          <a:p>
+            <a:pPr algn="ctr"/>
+            <a:endParaRPr lang="en-US"/>
+          </a:p>
+        </p:txBody>
+      </p:sp>
+      <p:sp>
+        <p:nvSpPr>
+          <p:cNvPr id="2" name="Flowchart: Connector 1">
+            <a:extLst>
+              <a:ext uri="{FF2B5EF4-FFF2-40B4-BE49-F238E27FC236}">
+                <a16:creationId xmlns:a16="http://schemas.microsoft.com/office/drawing/2014/main" id="{0ADC90D2-7FCD-4BCD-9C26-12CF4E6CAAE7}"/>
+              </a:ext>
+            </a:extLst>
+          </p:cNvPr>
+          <p:cNvSpPr/>
+          <p:nvPr/>
+        </p:nvSpPr>
+        <p:spPr>
+          <a:xfrm>
+            <a:off x="152400" y="292100"/>
+            <a:ext cx="1143765" cy="1143765"/>
+          </a:xfrm>
+          <a:prstGeom prst="flowChartConnector">
+            <a:avLst/>
+          </a:prstGeom>
+          <a:noFill/>
+        </p:spPr>
+        <p:style>
+          <a:lnRef idx="2">
+            <a:schemeClr val="accent1">
+              <a:shade val="50000"/>
+            </a:schemeClr>
+          </a:lnRef>
+          <a:fillRef idx="1">
+            <a:schemeClr val="accent1"/>
+          </a:fillRef>
+          <a:effectRef idx="0">
+            <a:schemeClr val="accent1"/>
+          </a:effectRef>
+          <a:fontRef idx="minor">
+            <a:schemeClr val="lt1"/>
+          </a:fontRef>
+        </p:style>
+        <p:txBody>
+          <a:bodyPr rtlCol="0" anchor="ctr"/>
+          <a:lstStyle/>
+          <a:p>
+            <a:pPr algn="ctr"/>
+            <a:endParaRPr lang="en-US"/>
+          </a:p>
+        </p:txBody>
+      </p:sp>
+      <p:sp>
+        <p:nvSpPr>
+          <p:cNvPr id="57" name="Flowchart: Decision 56">
+            <a:extLst>
+              <a:ext uri="{FF2B5EF4-FFF2-40B4-BE49-F238E27FC236}">
+                <a16:creationId xmlns:a16="http://schemas.microsoft.com/office/drawing/2014/main" id="{0199784B-44F0-488F-949A-5FCC7F7C4E00}"/>
+              </a:ext>
+            </a:extLst>
+          </p:cNvPr>
+          <p:cNvSpPr/>
+          <p:nvPr/>
+        </p:nvSpPr>
+        <p:spPr>
+          <a:xfrm>
+            <a:off x="3485404" y="1644784"/>
+            <a:ext cx="1489985" cy="998290"/>
+          </a:xfrm>
+          <a:prstGeom prst="flowChartDecision">
+            <a:avLst/>
+          </a:prstGeom>
+          <a:noFill/>
+        </p:spPr>
+        <p:style>
+          <a:lnRef idx="2">
+            <a:schemeClr val="accent1">
+              <a:shade val="50000"/>
+            </a:schemeClr>
+          </a:lnRef>
+          <a:fillRef idx="1">
+            <a:schemeClr val="accent1"/>
+          </a:fillRef>
+          <a:effectRef idx="0">
+            <a:schemeClr val="accent1"/>
+          </a:effectRef>
+          <a:fontRef idx="minor">
+            <a:schemeClr val="lt1"/>
+          </a:fontRef>
+        </p:style>
+        <p:txBody>
+          <a:bodyPr rtlCol="0" anchor="ctr"/>
+          <a:lstStyle/>
+          <a:p>
+            <a:pPr algn="ctr"/>
+            <a:r>
+              <a:rPr lang="en-US" sz="1100" dirty="0">
+                <a:solidFill>
+                  <a:schemeClr val="tx1"/>
+                </a:solidFill>
+              </a:rPr>
+              <a:t>Notify Type?</a:t>
+            </a:r>
+          </a:p>
+        </p:txBody>
+      </p:sp>
+      <p:sp>
+        <p:nvSpPr>
+          <p:cNvPr id="59" name="Flowchart: Predefined Process 58">
+            <a:extLst>
+              <a:ext uri="{FF2B5EF4-FFF2-40B4-BE49-F238E27FC236}">
+                <a16:creationId xmlns:a16="http://schemas.microsoft.com/office/drawing/2014/main" id="{363CCFD9-63B0-414A-A60F-2083EA5D4FC0}"/>
+              </a:ext>
+            </a:extLst>
+          </p:cNvPr>
+          <p:cNvSpPr/>
+          <p:nvPr/>
+        </p:nvSpPr>
+        <p:spPr>
+          <a:xfrm>
+            <a:off x="3435320" y="3073105"/>
+            <a:ext cx="1590152" cy="1065402"/>
+          </a:xfrm>
+          <a:prstGeom prst="flowChartPredefinedProcess">
+            <a:avLst/>
+          </a:prstGeom>
+          <a:noFill/>
+        </p:spPr>
+        <p:style>
+          <a:lnRef idx="2">
+            <a:schemeClr val="accent1">
+              <a:shade val="50000"/>
+            </a:schemeClr>
+          </a:lnRef>
+          <a:fillRef idx="1">
+            <a:schemeClr val="accent1"/>
+          </a:fillRef>
+          <a:effectRef idx="0">
+            <a:schemeClr val="accent1"/>
+          </a:effectRef>
+          <a:fontRef idx="minor">
+            <a:schemeClr val="lt1"/>
+          </a:fontRef>
+        </p:style>
+        <p:txBody>
+          <a:bodyPr rtlCol="0" anchor="ctr"/>
+          <a:lstStyle/>
+          <a:p>
+            <a:pPr algn="ctr"/>
+            <a:endParaRPr lang="en-US"/>
+          </a:p>
+        </p:txBody>
+      </p:sp>
+      <p:sp>
+        <p:nvSpPr>
+          <p:cNvPr id="60" name="Flowchart: Predefined Process 59">
+            <a:extLst>
+              <a:ext uri="{FF2B5EF4-FFF2-40B4-BE49-F238E27FC236}">
+                <a16:creationId xmlns:a16="http://schemas.microsoft.com/office/drawing/2014/main" id="{E8E7D595-BCB5-4D26-AE33-258154D3FBC5}"/>
+              </a:ext>
+            </a:extLst>
+          </p:cNvPr>
+          <p:cNvSpPr/>
+          <p:nvPr/>
+        </p:nvSpPr>
+        <p:spPr>
+          <a:xfrm>
+            <a:off x="6271281" y="3073105"/>
+            <a:ext cx="1590152" cy="1065402"/>
+          </a:xfrm>
+          <a:prstGeom prst="flowChartPredefinedProcess">
+            <a:avLst/>
+          </a:prstGeom>
+          <a:noFill/>
+        </p:spPr>
+        <p:style>
+          <a:lnRef idx="2">
+            <a:schemeClr val="accent1">
+              <a:shade val="50000"/>
+            </a:schemeClr>
+          </a:lnRef>
+          <a:fillRef idx="1">
+            <a:schemeClr val="accent1"/>
+          </a:fillRef>
+          <a:effectRef idx="0">
+            <a:schemeClr val="accent1"/>
+          </a:effectRef>
+          <a:fontRef idx="minor">
+            <a:schemeClr val="lt1"/>
+          </a:fontRef>
+        </p:style>
+        <p:txBody>
+          <a:bodyPr rtlCol="0" anchor="ctr"/>
+          <a:lstStyle/>
+          <a:p>
+            <a:pPr algn="ctr"/>
+            <a:endParaRPr lang="en-US"/>
+          </a:p>
+        </p:txBody>
+      </p:sp>
+      <p:cxnSp>
+        <p:nvCxnSpPr>
+          <p:cNvPr id="61" name="Connector: Elbow 60">
+            <a:extLst>
+              <a:ext uri="{FF2B5EF4-FFF2-40B4-BE49-F238E27FC236}">
+                <a16:creationId xmlns:a16="http://schemas.microsoft.com/office/drawing/2014/main" id="{DC785B83-06D9-475B-907B-DBA2614E0929}"/>
+              </a:ext>
+            </a:extLst>
+          </p:cNvPr>
+          <p:cNvCxnSpPr>
+            <a:cxnSpLocks/>
+            <a:stCxn id="57" idx="1"/>
+            <a:endCxn id="130" idx="0"/>
+          </p:cNvCxnSpPr>
+          <p:nvPr/>
+        </p:nvCxnSpPr>
+        <p:spPr>
+          <a:xfrm rot="10800000" flipV="1">
+            <a:off x="1296166" y="2143929"/>
+            <a:ext cx="2189239" cy="929176"/>
+          </a:xfrm>
+          <a:prstGeom prst="bentConnector2">
+            <a:avLst/>
+          </a:prstGeom>
+          <a:ln>
+            <a:tailEnd type="triangle"/>
+          </a:ln>
+        </p:spPr>
+        <p:style>
+          <a:lnRef idx="1">
+            <a:schemeClr val="accent1"/>
+          </a:lnRef>
+          <a:fillRef idx="0">
+            <a:schemeClr val="accent1"/>
+          </a:fillRef>
+          <a:effectRef idx="0">
+            <a:schemeClr val="accent1"/>
+          </a:effectRef>
+          <a:fontRef idx="minor">
+            <a:schemeClr val="tx1"/>
+          </a:fontRef>
+        </p:style>
+      </p:cxnSp>
+      <p:cxnSp>
+        <p:nvCxnSpPr>
+          <p:cNvPr id="65" name="Connector: Elbow 64">
+            <a:extLst>
+              <a:ext uri="{FF2B5EF4-FFF2-40B4-BE49-F238E27FC236}">
+                <a16:creationId xmlns:a16="http://schemas.microsoft.com/office/drawing/2014/main" id="{9D9D5E88-0B98-4D3F-B014-1F2761D7D3EA}"/>
+              </a:ext>
+            </a:extLst>
+          </p:cNvPr>
+          <p:cNvCxnSpPr>
+            <a:cxnSpLocks/>
+            <a:stCxn id="57" idx="3"/>
+            <a:endCxn id="60" idx="0"/>
+          </p:cNvCxnSpPr>
+          <p:nvPr/>
+        </p:nvCxnSpPr>
+        <p:spPr>
+          <a:xfrm>
+            <a:off x="4975389" y="2143929"/>
+            <a:ext cx="2090968" cy="929176"/>
+          </a:xfrm>
+          <a:prstGeom prst="bentConnector2">
+            <a:avLst/>
+          </a:prstGeom>
+          <a:ln>
+            <a:tailEnd type="triangle"/>
+          </a:ln>
+        </p:spPr>
+        <p:style>
+          <a:lnRef idx="1">
+            <a:schemeClr val="accent1"/>
+          </a:lnRef>
+          <a:fillRef idx="0">
+            <a:schemeClr val="accent1"/>
+          </a:fillRef>
+          <a:effectRef idx="0">
+            <a:schemeClr val="accent1"/>
+          </a:effectRef>
+          <a:fontRef idx="minor">
+            <a:schemeClr val="tx1"/>
+          </a:fontRef>
+        </p:style>
+      </p:cxnSp>
+      <p:cxnSp>
+        <p:nvCxnSpPr>
+          <p:cNvPr id="69" name="Connector: Elbow 68">
+            <a:extLst>
+              <a:ext uri="{FF2B5EF4-FFF2-40B4-BE49-F238E27FC236}">
+                <a16:creationId xmlns:a16="http://schemas.microsoft.com/office/drawing/2014/main" id="{664FC53F-28B9-4949-B90B-2834ED84E6F3}"/>
+              </a:ext>
+            </a:extLst>
+          </p:cNvPr>
+          <p:cNvCxnSpPr>
+            <a:cxnSpLocks/>
+            <a:stCxn id="57" idx="2"/>
+            <a:endCxn id="59" idx="0"/>
+          </p:cNvCxnSpPr>
+          <p:nvPr/>
+        </p:nvCxnSpPr>
+        <p:spPr>
+          <a:xfrm rot="5400000">
+            <a:off x="4015382" y="2858089"/>
+            <a:ext cx="430031" cy="1"/>
+          </a:xfrm>
+          <a:prstGeom prst="bentConnector3">
+            <a:avLst>
+              <a:gd name="adj1" fmla="val 50000"/>
+            </a:avLst>
+          </a:prstGeom>
+          <a:ln>
+            <a:tailEnd type="triangle"/>
+          </a:ln>
+        </p:spPr>
+        <p:style>
+          <a:lnRef idx="1">
+            <a:schemeClr val="accent1"/>
+          </a:lnRef>
+          <a:fillRef idx="0">
+            <a:schemeClr val="accent1"/>
+          </a:fillRef>
+          <a:effectRef idx="0">
+            <a:schemeClr val="accent1"/>
+          </a:effectRef>
+          <a:fontRef idx="minor">
+            <a:schemeClr val="tx1"/>
+          </a:fontRef>
+        </p:style>
+      </p:cxnSp>
+    </p:spTree>
+    <p:extLst>
+      <p:ext uri="{BB962C8B-B14F-4D97-AF65-F5344CB8AC3E}">
+        <p14:creationId xmlns:p14="http://schemas.microsoft.com/office/powerpoint/2010/main" val="2417301927"/>
       </p:ext>
     </p:extLst>
   </p:cSld>
